--- a/report/fig/schema system.pptx
+++ b/report/fig/schema system.pptx
@@ -104,6 +104,11 @@
       </a:defRPr>
     </a:lvl9pPr>
   </p:defaultTextStyle>
+  <p:extLst>
+    <p:ext uri="{EFAFB233-063F-42B5-8137-9DF3F51BA10A}">
+      <p15:sldGuideLst xmlns:p15="http://schemas.microsoft.com/office/powerpoint/2012/main"/>
+    </p:ext>
+  </p:extLst>
 </p:presentation>
 </file>
 
@@ -238,7 +243,7 @@
           <a:p>
             <a:fld id="{16DE783D-8834-4F00-8E24-F9CFDBB98131}" type="datetimeFigureOut">
               <a:rPr lang="fr-FR" smtClean="0"/>
-              <a:t>19/11/2015</a:t>
+              <a:t>13/12/2015</a:t>
             </a:fld>
             <a:endParaRPr lang="fr-FR"/>
           </a:p>
@@ -408,7 +413,7 @@
           <a:p>
             <a:fld id="{16DE783D-8834-4F00-8E24-F9CFDBB98131}" type="datetimeFigureOut">
               <a:rPr lang="fr-FR" smtClean="0"/>
-              <a:t>19/11/2015</a:t>
+              <a:t>13/12/2015</a:t>
             </a:fld>
             <a:endParaRPr lang="fr-FR"/>
           </a:p>
@@ -588,7 +593,7 @@
           <a:p>
             <a:fld id="{16DE783D-8834-4F00-8E24-F9CFDBB98131}" type="datetimeFigureOut">
               <a:rPr lang="fr-FR" smtClean="0"/>
-              <a:t>19/11/2015</a:t>
+              <a:t>13/12/2015</a:t>
             </a:fld>
             <a:endParaRPr lang="fr-FR"/>
           </a:p>
@@ -758,7 +763,7 @@
           <a:p>
             <a:fld id="{16DE783D-8834-4F00-8E24-F9CFDBB98131}" type="datetimeFigureOut">
               <a:rPr lang="fr-FR" smtClean="0"/>
-              <a:t>19/11/2015</a:t>
+              <a:t>13/12/2015</a:t>
             </a:fld>
             <a:endParaRPr lang="fr-FR"/>
           </a:p>
@@ -1004,7 +1009,7 @@
           <a:p>
             <a:fld id="{16DE783D-8834-4F00-8E24-F9CFDBB98131}" type="datetimeFigureOut">
               <a:rPr lang="fr-FR" smtClean="0"/>
-              <a:t>19/11/2015</a:t>
+              <a:t>13/12/2015</a:t>
             </a:fld>
             <a:endParaRPr lang="fr-FR"/>
           </a:p>
@@ -1236,7 +1241,7 @@
           <a:p>
             <a:fld id="{16DE783D-8834-4F00-8E24-F9CFDBB98131}" type="datetimeFigureOut">
               <a:rPr lang="fr-FR" smtClean="0"/>
-              <a:t>19/11/2015</a:t>
+              <a:t>13/12/2015</a:t>
             </a:fld>
             <a:endParaRPr lang="fr-FR"/>
           </a:p>
@@ -1603,7 +1608,7 @@
           <a:p>
             <a:fld id="{16DE783D-8834-4F00-8E24-F9CFDBB98131}" type="datetimeFigureOut">
               <a:rPr lang="fr-FR" smtClean="0"/>
-              <a:t>19/11/2015</a:t>
+              <a:t>13/12/2015</a:t>
             </a:fld>
             <a:endParaRPr lang="fr-FR"/>
           </a:p>
@@ -1721,7 +1726,7 @@
           <a:p>
             <a:fld id="{16DE783D-8834-4F00-8E24-F9CFDBB98131}" type="datetimeFigureOut">
               <a:rPr lang="fr-FR" smtClean="0"/>
-              <a:t>19/11/2015</a:t>
+              <a:t>13/12/2015</a:t>
             </a:fld>
             <a:endParaRPr lang="fr-FR"/>
           </a:p>
@@ -1816,7 +1821,7 @@
           <a:p>
             <a:fld id="{16DE783D-8834-4F00-8E24-F9CFDBB98131}" type="datetimeFigureOut">
               <a:rPr lang="fr-FR" smtClean="0"/>
-              <a:t>19/11/2015</a:t>
+              <a:t>13/12/2015</a:t>
             </a:fld>
             <a:endParaRPr lang="fr-FR"/>
           </a:p>
@@ -2093,7 +2098,7 @@
           <a:p>
             <a:fld id="{16DE783D-8834-4F00-8E24-F9CFDBB98131}" type="datetimeFigureOut">
               <a:rPr lang="fr-FR" smtClean="0"/>
-              <a:t>19/11/2015</a:t>
+              <a:t>13/12/2015</a:t>
             </a:fld>
             <a:endParaRPr lang="fr-FR"/>
           </a:p>
@@ -2346,7 +2351,7 @@
           <a:p>
             <a:fld id="{16DE783D-8834-4F00-8E24-F9CFDBB98131}" type="datetimeFigureOut">
               <a:rPr lang="fr-FR" smtClean="0"/>
-              <a:t>19/11/2015</a:t>
+              <a:t>13/12/2015</a:t>
             </a:fld>
             <a:endParaRPr lang="fr-FR"/>
           </a:p>
@@ -2559,7 +2564,7 @@
           <a:p>
             <a:fld id="{16DE783D-8834-4F00-8E24-F9CFDBB98131}" type="datetimeFigureOut">
               <a:rPr lang="fr-FR" smtClean="0"/>
-              <a:t>19/11/2015</a:t>
+              <a:t>13/12/2015</a:t>
             </a:fld>
             <a:endParaRPr lang="fr-FR"/>
           </a:p>
@@ -3492,7 +3497,7 @@
         </p:nvCxnSpPr>
         <p:spPr>
           <a:xfrm>
-            <a:off x="10744199" y="619772"/>
+            <a:off x="10567554" y="609380"/>
             <a:ext cx="0" cy="4623954"/>
           </a:xfrm>
           <a:prstGeom prst="line">
@@ -3571,7 +3576,11 @@
           <a:p>
             <a:r>
               <a:rPr lang="fr-FR" dirty="0" smtClean="0"/>
-              <a:t>Relief &lt; ?? mm</a:t>
+              <a:t>Relief &lt; </a:t>
+            </a:r>
+            <a:r>
+              <a:rPr lang="fr-FR" dirty="0" smtClean="0"/>
+              <a:t>50 cm</a:t>
             </a:r>
             <a:endParaRPr lang="fr-FR" dirty="0"/>
           </a:p>
